--- a/outputs/bnssg.pptx
+++ b/outputs/bnssg.pptx
@@ -211,7 +211,7 @@
           <a:p>
             <a:fld id="{0F9C1CCF-B725-44A7-AA57-5E433BD85C9F}" type="datetimeFigureOut">
               <a:rPr lang="en-US" smtClean="0"/>
-              <a:t>1/18/2024</a:t>
+              <a:t>1/25/2024</a:t>
             </a:fld>
             <a:endParaRPr lang="en-US"/>
           </a:p>
@@ -893,7 +893,7 @@
             <a:fld id="{241EB5C9-1307-BA42-ABA2-0BC069CD8E7F}" type="datetimeFigureOut">
               <a:rPr lang="en-US" smtClean="0"/>
               <a:pPr/>
-              <a:t>1/18/2024</a:t>
+              <a:t>1/25/2024</a:t>
             </a:fld>
             <a:endParaRPr lang="en-US"/>
           </a:p>
@@ -1221,7 +1221,7 @@
           <a:p>
             <a:fld id="{241EB5C9-1307-BA42-ABA2-0BC069CD8E7F}" type="datetimeFigureOut">
               <a:rPr lang="en-US" smtClean="0"/>
-              <a:t>1/18/2024</a:t>
+              <a:t>1/25/2024</a:t>
             </a:fld>
             <a:endParaRPr lang="en-US"/>
           </a:p>
@@ -1502,7 +1502,7 @@
           <a:p>
             <a:fld id="{241EB5C9-1307-BA42-ABA2-0BC069CD8E7F}" type="datetimeFigureOut">
               <a:rPr lang="en-US" smtClean="0"/>
-              <a:t>1/18/2024</a:t>
+              <a:t>1/25/2024</a:t>
             </a:fld>
             <a:endParaRPr lang="en-US"/>
           </a:p>
@@ -1823,7 +1823,7 @@
           <a:p>
             <a:fld id="{241EB5C9-1307-BA42-ABA2-0BC069CD8E7F}" type="datetimeFigureOut">
               <a:rPr lang="en-US" smtClean="0"/>
-              <a:t>1/18/2024</a:t>
+              <a:t>1/25/2024</a:t>
             </a:fld>
             <a:endParaRPr lang="en-US"/>
           </a:p>
@@ -2278,7 +2278,7 @@
           <a:p>
             <a:fld id="{241EB5C9-1307-BA42-ABA2-0BC069CD8E7F}" type="datetimeFigureOut">
               <a:rPr lang="en-US" smtClean="0"/>
-              <a:t>1/18/2024</a:t>
+              <a:t>1/25/2024</a:t>
             </a:fld>
             <a:endParaRPr lang="en-US"/>
           </a:p>
@@ -2418,42 +2418,48 @@
         </p:spPr>
         <p:txBody>
           <a:bodyPr/>
-          <a:lstStyle/>
+          <a:lstStyle>
+            <a:lvl1pPr>
+              <a:spcAft>
+                <a:spcPts val="600"/>
+              </a:spcAft>
+              <a:defRPr/>
+            </a:lvl1pPr>
+          </a:lstStyle>
           <a:p>
             <a:pPr lvl="0"/>
             <a:r>
-              <a:rPr lang="en-GB"/>
+              <a:rPr lang="en-GB" dirty="0"/>
               <a:t>Click to edit Master text styles</a:t>
             </a:r>
           </a:p>
           <a:p>
             <a:pPr lvl="1"/>
             <a:r>
-              <a:rPr lang="en-GB"/>
+              <a:rPr lang="en-GB" dirty="0"/>
               <a:t>Second level</a:t>
             </a:r>
           </a:p>
           <a:p>
             <a:pPr lvl="2"/>
             <a:r>
-              <a:rPr lang="en-GB"/>
+              <a:rPr lang="en-GB" dirty="0"/>
               <a:t>Third level</a:t>
             </a:r>
           </a:p>
           <a:p>
             <a:pPr lvl="3"/>
             <a:r>
-              <a:rPr lang="en-GB"/>
+              <a:rPr lang="en-GB" dirty="0"/>
               <a:t>Fourth level</a:t>
             </a:r>
           </a:p>
           <a:p>
             <a:pPr lvl="4"/>
             <a:r>
-              <a:rPr lang="en-GB"/>
+              <a:rPr lang="en-GB" dirty="0"/>
               <a:t>Fifth level</a:t>
             </a:r>
-            <a:endParaRPr lang="en-GB" dirty="0"/>
           </a:p>
         </p:txBody>
       </p:sp>
@@ -2474,7 +2480,7 @@
           <a:p>
             <a:fld id="{241EB5C9-1307-BA42-ABA2-0BC069CD8E7F}" type="datetimeFigureOut">
               <a:rPr lang="en-US" smtClean="0"/>
-              <a:t>1/18/2024</a:t>
+              <a:t>1/25/2024</a:t>
             </a:fld>
             <a:endParaRPr lang="en-US"/>
           </a:p>
@@ -2635,7 +2641,7 @@
           <a:p>
             <a:fld id="{241EB5C9-1307-BA42-ABA2-0BC069CD8E7F}" type="datetimeFigureOut">
               <a:rPr lang="en-US" smtClean="0"/>
-              <a:t>1/18/2024</a:t>
+              <a:t>1/25/2024</a:t>
             </a:fld>
             <a:endParaRPr lang="en-US"/>
           </a:p>
@@ -2863,7 +2869,7 @@
           <a:p>
             <a:fld id="{241EB5C9-1307-BA42-ABA2-0BC069CD8E7F}" type="datetimeFigureOut">
               <a:rPr lang="en-US" smtClean="0"/>
-              <a:t>1/18/2024</a:t>
+              <a:t>1/25/2024</a:t>
             </a:fld>
             <a:endParaRPr lang="en-US"/>
           </a:p>
